--- a/Day 23/Slides/4. Building a Reactive Form/building-a-reactive-form-slides.pptx
+++ b/Day 23/Slides/4. Building a Reactive Form/building-a-reactive-form-slides.pptx
@@ -14711,7 +14711,7 @@
         </p:nvGrpSpPr>
         <p:grpSpPr>
           <a:xfrm>
-            <a:off x="8843771" y="1447800"/>
+            <a:off x="8838691" y="1447800"/>
             <a:ext cx="2024380" cy="4714240"/>
             <a:chOff x="8843771" y="1447800"/>
             <a:chExt cx="2024380" cy="4714240"/>
